--- a/PptxReplacer/template/20240117_setneg_biweekly.pptx
+++ b/PptxReplacer/template/20240117_setneg_biweekly.pptx
@@ -1341,7 +1341,7 @@
           <a:p>
             <a:fld id="{91B4ED4A-874E-45AC-AF5D-DC47AF202211}" type="datetimeFigureOut">
               <a:rPr lang="en-ID" smtClean="0"/>
-              <a:t>22/03/2024</a:t>
+              <a:t>31/03/2024</a:t>
             </a:fld>
             <a:endParaRPr lang="en-ID"/>
           </a:p>
@@ -1753,7 +1753,7 @@
           <a:p>
             <a:fld id="{235D2F57-9AF7-42DC-A542-7B792E2F3FE0}" type="datetimeFigureOut">
               <a:rPr lang="id-ID" smtClean="0"/>
-              <a:t>22/03/2024</a:t>
+              <a:t>31/03/2024</a:t>
             </a:fld>
             <a:endParaRPr lang="id-ID"/>
           </a:p>
@@ -1953,7 +1953,7 @@
           <a:p>
             <a:fld id="{235D2F57-9AF7-42DC-A542-7B792E2F3FE0}" type="datetimeFigureOut">
               <a:rPr lang="id-ID" smtClean="0"/>
-              <a:t>22/03/2024</a:t>
+              <a:t>31/03/2024</a:t>
             </a:fld>
             <a:endParaRPr lang="id-ID"/>
           </a:p>
@@ -2163,7 +2163,7 @@
           <a:p>
             <a:fld id="{235D2F57-9AF7-42DC-A542-7B792E2F3FE0}" type="datetimeFigureOut">
               <a:rPr lang="id-ID" smtClean="0"/>
-              <a:t>22/03/2024</a:t>
+              <a:t>31/03/2024</a:t>
             </a:fld>
             <a:endParaRPr lang="id-ID"/>
           </a:p>
@@ -2363,7 +2363,7 @@
           <a:p>
             <a:fld id="{235D2F57-9AF7-42DC-A542-7B792E2F3FE0}" type="datetimeFigureOut">
               <a:rPr lang="id-ID" smtClean="0"/>
-              <a:t>22/03/2024</a:t>
+              <a:t>31/03/2024</a:t>
             </a:fld>
             <a:endParaRPr lang="id-ID"/>
           </a:p>
@@ -2639,7 +2639,7 @@
           <a:p>
             <a:fld id="{235D2F57-9AF7-42DC-A542-7B792E2F3FE0}" type="datetimeFigureOut">
               <a:rPr lang="id-ID" smtClean="0"/>
-              <a:t>22/03/2024</a:t>
+              <a:t>31/03/2024</a:t>
             </a:fld>
             <a:endParaRPr lang="id-ID"/>
           </a:p>
@@ -2907,7 +2907,7 @@
           <a:p>
             <a:fld id="{235D2F57-9AF7-42DC-A542-7B792E2F3FE0}" type="datetimeFigureOut">
               <a:rPr lang="id-ID" smtClean="0"/>
-              <a:t>22/03/2024</a:t>
+              <a:t>31/03/2024</a:t>
             </a:fld>
             <a:endParaRPr lang="id-ID"/>
           </a:p>
@@ -3322,7 +3322,7 @@
           <a:p>
             <a:fld id="{235D2F57-9AF7-42DC-A542-7B792E2F3FE0}" type="datetimeFigureOut">
               <a:rPr lang="id-ID" smtClean="0"/>
-              <a:t>22/03/2024</a:t>
+              <a:t>31/03/2024</a:t>
             </a:fld>
             <a:endParaRPr lang="id-ID"/>
           </a:p>
@@ -3464,7 +3464,7 @@
           <a:p>
             <a:fld id="{235D2F57-9AF7-42DC-A542-7B792E2F3FE0}" type="datetimeFigureOut">
               <a:rPr lang="id-ID" smtClean="0"/>
-              <a:t>22/03/2024</a:t>
+              <a:t>31/03/2024</a:t>
             </a:fld>
             <a:endParaRPr lang="id-ID"/>
           </a:p>
@@ -3577,7 +3577,7 @@
           <a:p>
             <a:fld id="{235D2F57-9AF7-42DC-A542-7B792E2F3FE0}" type="datetimeFigureOut">
               <a:rPr lang="id-ID" smtClean="0"/>
-              <a:t>22/03/2024</a:t>
+              <a:t>31/03/2024</a:t>
             </a:fld>
             <a:endParaRPr lang="id-ID"/>
           </a:p>
@@ -3890,7 +3890,7 @@
           <a:p>
             <a:fld id="{235D2F57-9AF7-42DC-A542-7B792E2F3FE0}" type="datetimeFigureOut">
               <a:rPr lang="id-ID" smtClean="0"/>
-              <a:t>22/03/2024</a:t>
+              <a:t>31/03/2024</a:t>
             </a:fld>
             <a:endParaRPr lang="id-ID"/>
           </a:p>
@@ -4179,7 +4179,7 @@
           <a:p>
             <a:fld id="{235D2F57-9AF7-42DC-A542-7B792E2F3FE0}" type="datetimeFigureOut">
               <a:rPr lang="id-ID" smtClean="0"/>
-              <a:t>22/03/2024</a:t>
+              <a:t>31/03/2024</a:t>
             </a:fld>
             <a:endParaRPr lang="id-ID"/>
           </a:p>
@@ -4422,7 +4422,7 @@
           <a:p>
             <a:fld id="{235D2F57-9AF7-42DC-A542-7B792E2F3FE0}" type="datetimeFigureOut">
               <a:rPr lang="id-ID" smtClean="0"/>
-              <a:t>22/03/2024</a:t>
+              <a:t>31/03/2024</a:t>
             </a:fld>
             <a:endParaRPr lang="id-ID"/>
           </a:p>
@@ -6218,7 +6218,20 @@
                 <a:ea typeface="Verdana" panose="020B0604030504040204" pitchFamily="34" charset="0"/>
                 <a:cs typeface="Open Sans" panose="020B0606030504020204" pitchFamily="34" charset="0"/>
               </a:rPr>
-              <a:t>Terkait IKN di Media Sosial Selama 2023</a:t>
+              <a:t>Terkait IKN di Media Sosial Selama 202</a:t>
+            </a:r>
+            <a:r>
+              <a:rPr lang="en-US" sz="1200">
+                <a:solidFill>
+                  <a:schemeClr val="bg2">
+                    <a:lumMod val="50000"/>
+                  </a:schemeClr>
+                </a:solidFill>
+                <a:latin typeface="Verdana" panose="020B0604030504040204" pitchFamily="34" charset="0"/>
+                <a:ea typeface="Verdana" panose="020B0604030504040204" pitchFamily="34" charset="0"/>
+                <a:cs typeface="Open Sans" panose="020B0606030504020204" pitchFamily="34" charset="0"/>
+              </a:rPr>
+              <a:t>4</a:t>
             </a:r>
             <a:endParaRPr lang="id-ID" sz="4400" dirty="0">
               <a:solidFill>
@@ -9010,382 +9023,6 @@
       </p:graphicFrame>
       <p:sp>
         <p:nvSpPr>
-          <p:cNvPr id="30" name="TextBox 29">
-            <a:extLst>
-              <a:ext uri="{FF2B5EF4-FFF2-40B4-BE49-F238E27FC236}">
-                <a16:creationId xmlns:a16="http://schemas.microsoft.com/office/drawing/2014/main" id="{5BAA2C03-AA9C-E393-8E25-A0208EEEE8FF}"/>
-              </a:ext>
-            </a:extLst>
-          </p:cNvPr>
-          <p:cNvSpPr txBox="1"/>
-          <p:nvPr/>
-        </p:nvSpPr>
-        <p:spPr>
-          <a:xfrm>
-            <a:off x="3924628" y="1988840"/>
-            <a:ext cx="1224136" cy="285335"/>
-          </a:xfrm>
-          <a:prstGeom prst="rect">
-            <a:avLst/>
-          </a:prstGeom>
-          <a:solidFill>
-            <a:srgbClr val="C00000"/>
-          </a:solidFill>
-          <a:effectLst>
-            <a:outerShdw blurRad="50800" dist="38100" dir="2700000" algn="tl" rotWithShape="0">
-              <a:prstClr val="black">
-                <a:alpha val="40000"/>
-              </a:prstClr>
-            </a:outerShdw>
-          </a:effectLst>
-        </p:spPr>
-        <p:txBody>
-          <a:bodyPr wrap="square">
-            <a:spAutoFit/>
-          </a:bodyPr>
-          <a:lstStyle/>
-          <a:p>
-            <a:pPr marL="0" marR="0" lvl="0" indent="0" algn="ctr" defTabSz="914400" rtl="0" eaLnBrk="1" fontAlgn="auto" latinLnBrk="0" hangingPunct="1">
-              <a:lnSpc>
-                <a:spcPct val="110000"/>
-              </a:lnSpc>
-              <a:spcBef>
-                <a:spcPts val="0"/>
-              </a:spcBef>
-              <a:spcAft>
-                <a:spcPts val="600"/>
-              </a:spcAft>
-              <a:buClrTx/>
-              <a:buSzTx/>
-              <a:buFontTx/>
-              <a:buNone/>
-              <a:tabLst/>
-              <a:defRPr/>
-            </a:pPr>
-            <a:r>
-              <a:rPr kumimoji="0" lang="id-ID" sz="1200" b="1" i="0" u="none" strike="noStrike" kern="1200" cap="none" spc="0" normalizeH="0" baseline="0" noProof="0" dirty="0">
-                <a:ln>
-                  <a:noFill/>
-                </a:ln>
-                <a:solidFill>
-                  <a:schemeClr val="bg1"/>
-                </a:solidFill>
-                <a:effectLst/>
-                <a:uLnTx/>
-                <a:uFillTx/>
-                <a:latin typeface="Calibri" panose="020F0502020204030204"/>
-                <a:ea typeface="+mn-ea"/>
-                <a:cs typeface="+mn-cs"/>
-              </a:rPr>
-              <a:t>Kontra (57.9%)</a:t>
-            </a:r>
-            <a:endParaRPr lang="id-ID" altLang="en-US" sz="1100" dirty="0">
-              <a:solidFill>
-                <a:schemeClr val="bg1"/>
-              </a:solidFill>
-              <a:cs typeface="Calibri" panose="020F0502020204030204" charset="0"/>
-              <a:sym typeface="+mn-ea"/>
-            </a:endParaRPr>
-          </a:p>
-        </p:txBody>
-      </p:sp>
-      <p:sp>
-        <p:nvSpPr>
-          <p:cNvPr id="31" name="TextBox 30">
-            <a:extLst>
-              <a:ext uri="{FF2B5EF4-FFF2-40B4-BE49-F238E27FC236}">
-                <a16:creationId xmlns:a16="http://schemas.microsoft.com/office/drawing/2014/main" id="{4415DA08-9F9F-88D5-4B74-E1B1F2BFC8C9}"/>
-              </a:ext>
-            </a:extLst>
-          </p:cNvPr>
-          <p:cNvSpPr txBox="1"/>
-          <p:nvPr/>
-        </p:nvSpPr>
-        <p:spPr>
-          <a:xfrm>
-            <a:off x="7370932" y="4365104"/>
-            <a:ext cx="1029324" cy="285335"/>
-          </a:xfrm>
-          <a:prstGeom prst="rect">
-            <a:avLst/>
-          </a:prstGeom>
-          <a:solidFill>
-            <a:srgbClr val="9999DD"/>
-          </a:solidFill>
-          <a:effectLst>
-            <a:outerShdw blurRad="50800" dist="38100" dir="2700000" algn="tl" rotWithShape="0">
-              <a:prstClr val="black">
-                <a:alpha val="40000"/>
-              </a:prstClr>
-            </a:outerShdw>
-          </a:effectLst>
-        </p:spPr>
-        <p:txBody>
-          <a:bodyPr wrap="square">
-            <a:spAutoFit/>
-          </a:bodyPr>
-          <a:lstStyle/>
-          <a:p>
-            <a:pPr marL="0" marR="0" lvl="0" indent="0" algn="ctr" defTabSz="914400" rtl="0" eaLnBrk="1" fontAlgn="auto" latinLnBrk="0" hangingPunct="1">
-              <a:lnSpc>
-                <a:spcPct val="110000"/>
-              </a:lnSpc>
-              <a:spcBef>
-                <a:spcPts val="0"/>
-              </a:spcBef>
-              <a:spcAft>
-                <a:spcPts val="600"/>
-              </a:spcAft>
-              <a:buClrTx/>
-              <a:buSzTx/>
-              <a:buFontTx/>
-              <a:buNone/>
-              <a:tabLst/>
-              <a:defRPr/>
-            </a:pPr>
-            <a:r>
-              <a:rPr kumimoji="0" lang="id-ID" sz="1200" b="1" i="0" u="none" strike="noStrike" kern="1200" cap="none" spc="0" normalizeH="0" baseline="0" noProof="0" dirty="0">
-                <a:ln>
-                  <a:noFill/>
-                </a:ln>
-                <a:solidFill>
-                  <a:schemeClr val="bg1"/>
-                </a:solidFill>
-                <a:effectLst/>
-                <a:uLnTx/>
-                <a:uFillTx/>
-                <a:latin typeface="Calibri" panose="020F0502020204030204"/>
-                <a:ea typeface="+mn-ea"/>
-                <a:cs typeface="+mn-cs"/>
-              </a:rPr>
-              <a:t>Pro (</a:t>
-            </a:r>
-            <a:r>
-              <a:rPr lang="id-ID" sz="1200" b="1" dirty="0">
-                <a:solidFill>
-                  <a:schemeClr val="bg1"/>
-                </a:solidFill>
-                <a:latin typeface="Calibri" panose="020F0502020204030204"/>
-              </a:rPr>
-              <a:t>25.6</a:t>
-            </a:r>
-            <a:r>
-              <a:rPr kumimoji="0" lang="id-ID" sz="1200" b="1" i="0" u="none" strike="noStrike" kern="1200" cap="none" spc="0" normalizeH="0" baseline="0" noProof="0" dirty="0">
-                <a:ln>
-                  <a:noFill/>
-                </a:ln>
-                <a:solidFill>
-                  <a:schemeClr val="bg1"/>
-                </a:solidFill>
-                <a:effectLst/>
-                <a:uLnTx/>
-                <a:uFillTx/>
-                <a:latin typeface="Calibri" panose="020F0502020204030204"/>
-                <a:ea typeface="+mn-ea"/>
-                <a:cs typeface="+mn-cs"/>
-              </a:rPr>
-              <a:t>%)</a:t>
-            </a:r>
-            <a:endParaRPr lang="id-ID" altLang="en-US" sz="1100" dirty="0">
-              <a:solidFill>
-                <a:schemeClr val="bg1"/>
-              </a:solidFill>
-              <a:cs typeface="Calibri" panose="020F0502020204030204" charset="0"/>
-              <a:sym typeface="+mn-ea"/>
-            </a:endParaRPr>
-          </a:p>
-        </p:txBody>
-      </p:sp>
-      <p:sp>
-        <p:nvSpPr>
-          <p:cNvPr id="35" name="TextBox 34">
-            <a:extLst>
-              <a:ext uri="{FF2B5EF4-FFF2-40B4-BE49-F238E27FC236}">
-                <a16:creationId xmlns:a16="http://schemas.microsoft.com/office/drawing/2014/main" id="{897E5F34-F667-0CD8-19C4-197AF29926CF}"/>
-              </a:ext>
-            </a:extLst>
-          </p:cNvPr>
-          <p:cNvSpPr txBox="1"/>
-          <p:nvPr/>
-        </p:nvSpPr>
-        <p:spPr>
-          <a:xfrm>
-            <a:off x="263973" y="3570817"/>
-            <a:ext cx="1224136" cy="285335"/>
-          </a:xfrm>
-          <a:prstGeom prst="rect">
-            <a:avLst/>
-          </a:prstGeom>
-          <a:solidFill>
-            <a:srgbClr val="9999DD"/>
-          </a:solidFill>
-          <a:effectLst>
-            <a:outerShdw blurRad="50800" dist="38100" dir="2700000" algn="tl" rotWithShape="0">
-              <a:prstClr val="black">
-                <a:alpha val="40000"/>
-              </a:prstClr>
-            </a:outerShdw>
-          </a:effectLst>
-        </p:spPr>
-        <p:txBody>
-          <a:bodyPr wrap="square">
-            <a:spAutoFit/>
-          </a:bodyPr>
-          <a:lstStyle/>
-          <a:p>
-            <a:pPr marL="0" marR="0" lvl="0" indent="0" algn="ctr" defTabSz="914400" rtl="0" eaLnBrk="1" fontAlgn="auto" latinLnBrk="0" hangingPunct="1">
-              <a:lnSpc>
-                <a:spcPct val="110000"/>
-              </a:lnSpc>
-              <a:spcBef>
-                <a:spcPts val="0"/>
-              </a:spcBef>
-              <a:spcAft>
-                <a:spcPts val="600"/>
-              </a:spcAft>
-              <a:buClrTx/>
-              <a:buSzTx/>
-              <a:buFontTx/>
-              <a:buNone/>
-              <a:tabLst/>
-              <a:defRPr/>
-            </a:pPr>
-            <a:r>
-              <a:rPr kumimoji="0" lang="id-ID" sz="1200" b="1" i="0" u="none" strike="noStrike" kern="1200" cap="none" spc="0" normalizeH="0" baseline="0" noProof="0" dirty="0">
-                <a:ln>
-                  <a:noFill/>
-                </a:ln>
-                <a:solidFill>
-                  <a:schemeClr val="bg1"/>
-                </a:solidFill>
-                <a:effectLst/>
-                <a:uLnTx/>
-                <a:uFillTx/>
-                <a:latin typeface="Calibri" panose="020F0502020204030204"/>
-                <a:ea typeface="+mn-ea"/>
-                <a:cs typeface="+mn-cs"/>
-              </a:rPr>
-              <a:t>Pro IKN (25.6%)</a:t>
-            </a:r>
-            <a:endParaRPr lang="id-ID" altLang="en-US" sz="1100" dirty="0">
-              <a:solidFill>
-                <a:schemeClr val="bg1"/>
-              </a:solidFill>
-              <a:cs typeface="Calibri" panose="020F0502020204030204" charset="0"/>
-              <a:sym typeface="+mn-ea"/>
-            </a:endParaRPr>
-          </a:p>
-        </p:txBody>
-      </p:sp>
-      <p:sp>
-        <p:nvSpPr>
-          <p:cNvPr id="36" name="TextBox 35">
-            <a:extLst>
-              <a:ext uri="{FF2B5EF4-FFF2-40B4-BE49-F238E27FC236}">
-                <a16:creationId xmlns:a16="http://schemas.microsoft.com/office/drawing/2014/main" id="{FAF9AC7B-81A9-965A-B1D9-67293B0DCCCE}"/>
-              </a:ext>
-            </a:extLst>
-          </p:cNvPr>
-          <p:cNvSpPr txBox="1"/>
-          <p:nvPr/>
-        </p:nvSpPr>
-        <p:spPr>
-          <a:xfrm>
-            <a:off x="9137326" y="805716"/>
-            <a:ext cx="1404156" cy="285335"/>
-          </a:xfrm>
-          <a:prstGeom prst="rect">
-            <a:avLst/>
-          </a:prstGeom>
-          <a:solidFill>
-            <a:srgbClr val="DD3333"/>
-          </a:solidFill>
-          <a:effectLst>
-            <a:outerShdw blurRad="50800" dist="38100" dir="2700000" algn="tl" rotWithShape="0">
-              <a:prstClr val="black">
-                <a:alpha val="40000"/>
-              </a:prstClr>
-            </a:outerShdw>
-          </a:effectLst>
-        </p:spPr>
-        <p:txBody>
-          <a:bodyPr wrap="square">
-            <a:spAutoFit/>
-          </a:bodyPr>
-          <a:lstStyle/>
-          <a:p>
-            <a:pPr marL="0" marR="0" lvl="0" indent="0" defTabSz="914400" rtl="0" eaLnBrk="1" fontAlgn="auto" latinLnBrk="0" hangingPunct="1">
-              <a:lnSpc>
-                <a:spcPct val="110000"/>
-              </a:lnSpc>
-              <a:spcBef>
-                <a:spcPts val="0"/>
-              </a:spcBef>
-              <a:spcAft>
-                <a:spcPts val="600"/>
-              </a:spcAft>
-              <a:buClrTx/>
-              <a:buSzTx/>
-              <a:buFontTx/>
-              <a:buNone/>
-              <a:tabLst/>
-              <a:defRPr/>
-            </a:pPr>
-            <a:r>
-              <a:rPr kumimoji="0" lang="id-ID" sz="1200" b="1" i="0" u="none" strike="noStrike" kern="1200" cap="none" spc="0" normalizeH="0" baseline="0" noProof="0" dirty="0">
-                <a:ln>
-                  <a:noFill/>
-                </a:ln>
-                <a:solidFill>
-                  <a:schemeClr val="bg1"/>
-                </a:solidFill>
-                <a:effectLst/>
-                <a:uLnTx/>
-                <a:uFillTx/>
-                <a:latin typeface="Calibri" panose="020F0502020204030204"/>
-                <a:ea typeface="+mn-ea"/>
-                <a:cs typeface="+mn-cs"/>
-              </a:rPr>
-              <a:t>Kontra IKN (</a:t>
-            </a:r>
-            <a:r>
-              <a:rPr lang="id-ID" sz="1200" b="1" dirty="0">
-                <a:solidFill>
-                  <a:schemeClr val="bg1"/>
-                </a:solidFill>
-                <a:latin typeface="Calibri" panose="020F0502020204030204"/>
-              </a:rPr>
-              <a:t>57.9</a:t>
-            </a:r>
-            <a:r>
-              <a:rPr kumimoji="0" lang="id-ID" sz="1200" b="1" i="0" u="none" strike="noStrike" kern="1200" cap="none" spc="0" normalizeH="0" baseline="0" noProof="0" dirty="0">
-                <a:ln>
-                  <a:noFill/>
-                </a:ln>
-                <a:solidFill>
-                  <a:schemeClr val="bg1"/>
-                </a:solidFill>
-                <a:effectLst/>
-                <a:uLnTx/>
-                <a:uFillTx/>
-                <a:latin typeface="Calibri" panose="020F0502020204030204"/>
-                <a:ea typeface="+mn-ea"/>
-                <a:cs typeface="+mn-cs"/>
-              </a:rPr>
-              <a:t>%)</a:t>
-            </a:r>
-            <a:endParaRPr lang="id-ID" altLang="en-US" sz="1100" dirty="0">
-              <a:solidFill>
-                <a:schemeClr val="bg1"/>
-              </a:solidFill>
-              <a:cs typeface="Calibri" panose="020F0502020204030204" charset="0"/>
-              <a:sym typeface="+mn-ea"/>
-            </a:endParaRPr>
-          </a:p>
-        </p:txBody>
-      </p:sp>
-      <p:sp>
-        <p:nvSpPr>
           <p:cNvPr id="37" name="TextBox 36">
             <a:extLst>
               <a:ext uri="{FF2B5EF4-FFF2-40B4-BE49-F238E27FC236}">
@@ -10314,6 +9951,190 @@
           </a:effectLst>
         </p:spPr>
       </p:pic>
+      <p:sp>
+        <p:nvSpPr>
+          <p:cNvPr id="41" name="Rounded Rectangle 40"/>
+          <p:cNvSpPr/>
+          <p:nvPr/>
+        </p:nvSpPr>
+        <p:spPr>
+          <a:xfrm>
+            <a:off x="259200" y="3441600"/>
+            <a:ext cx="1800000" cy="468000"/>
+          </a:xfrm>
+          <a:prstGeom prst="roundRect">
+            <a:avLst/>
+          </a:prstGeom>
+          <a:solidFill>
+            <a:srgbClr val="5BC344"/>
+          </a:solidFill>
+        </p:spPr>
+        <p:style>
+          <a:lnRef idx="1">
+            <a:schemeClr val="accent1"/>
+          </a:lnRef>
+          <a:fillRef idx="3">
+            <a:schemeClr val="accent1"/>
+          </a:fillRef>
+          <a:effectRef idx="2">
+            <a:schemeClr val="accent1"/>
+          </a:effectRef>
+          <a:fontRef idx="minor">
+            <a:schemeClr val="lt1"/>
+          </a:fontRef>
+        </p:style>
+        <p:txBody>
+          <a:bodyPr rtlCol="0" anchor="ctr"/>
+          <a:lstStyle/>
+          <a:p>
+            <a:pPr algn="ctr">
+              <a:defRPr b="1" sz="1100">
+                <a:solidFill>
+                  <a:srgbClr val="FFFFFF"/>
+                </a:solidFill>
+              </a:defRPr>
+            </a:pPr>
+            <a:r>
+              <a:t>Pengamat proyek IKN. (19.1%)</a:t>
+            </a:r>
+          </a:p>
+        </p:txBody>
+      </p:sp>
+      <p:sp>
+        <p:nvSpPr>
+          <p:cNvPr id="42" name="Rounded Rectangle 41"/>
+          <p:cNvSpPr/>
+          <p:nvPr/>
+        </p:nvSpPr>
+        <p:spPr>
+          <a:xfrm>
+            <a:off x="9118800" y="648000"/>
+            <a:ext cx="1800000" cy="468000"/>
+          </a:xfrm>
+          <a:prstGeom prst="roundRect">
+            <a:avLst/>
+          </a:prstGeom>
+          <a:solidFill>
+            <a:srgbClr val="6E7ACA"/>
+          </a:solidFill>
+        </p:spPr>
+        <p:style>
+          <a:lnRef idx="1">
+            <a:schemeClr val="accent1"/>
+          </a:lnRef>
+          <a:fillRef idx="3">
+            <a:schemeClr val="accent1"/>
+          </a:fillRef>
+          <a:effectRef idx="2">
+            <a:schemeClr val="accent1"/>
+          </a:effectRef>
+          <a:fontRef idx="minor">
+            <a:schemeClr val="lt1"/>
+          </a:fontRef>
+        </p:style>
+        <p:txBody>
+          <a:bodyPr rtlCol="0" anchor="ctr"/>
+          <a:lstStyle/>
+          <a:p>
+            <a:pPr algn="ctr">
+              <a:defRPr b="1" sz="1100">
+                <a:solidFill>
+                  <a:srgbClr val="FFFFFF"/>
+                </a:solidFill>
+              </a:defRPr>
+            </a:pPr>
+            <a:r>
+              <a:t>Pendukung Ganjar-Mahfud dalam Pembangunan IKN (24.2%)</a:t>
+            </a:r>
+          </a:p>
+        </p:txBody>
+      </p:sp>
+      <p:sp>
+        <p:nvSpPr>
+          <p:cNvPr id="43" name="Rounded Rectangle 42"/>
+          <p:cNvSpPr/>
+          <p:nvPr/>
+        </p:nvSpPr>
+        <p:spPr>
+          <a:xfrm>
+            <a:off x="9118800" y="5148000"/>
+            <a:ext cx="1800000" cy="468000"/>
+          </a:xfrm>
+          <a:prstGeom prst="roundRect">
+            <a:avLst/>
+          </a:prstGeom>
+          <a:solidFill>
+            <a:srgbClr val="D64E2B"/>
+          </a:solidFill>
+        </p:spPr>
+        <p:style>
+          <a:lnRef idx="1">
+            <a:schemeClr val="accent1"/>
+          </a:lnRef>
+          <a:fillRef idx="3">
+            <a:schemeClr val="accent1"/>
+          </a:fillRef>
+          <a:effectRef idx="2">
+            <a:schemeClr val="accent1"/>
+          </a:effectRef>
+          <a:fontRef idx="minor">
+            <a:schemeClr val="lt1"/>
+          </a:fontRef>
+        </p:style>
+        <p:txBody>
+          <a:bodyPr rtlCol="0" anchor="ctr"/>
+          <a:lstStyle/>
+          <a:p>
+            <a:pPr algn="ctr">
+              <a:defRPr b="1" sz="1100">
+                <a:solidFill>
+                  <a:srgbClr val="FFFFFF"/>
+                </a:solidFill>
+              </a:defRPr>
+            </a:pPr>
+            <a:r>
+              <a:t>Investor Positif Pasca Pemilu (15.5%)</a:t>
+            </a:r>
+          </a:p>
+        </p:txBody>
+      </p:sp>
+      <p:sp>
+        <p:nvSpPr>
+          <p:cNvPr id="44" name="TextBox 43"/>
+          <p:cNvSpPr txBox="1"/>
+          <p:nvPr/>
+        </p:nvSpPr>
+        <p:spPr>
+          <a:xfrm>
+            <a:off x="9144000" y="5376672"/>
+            <a:ext cx="2971800" cy="1828800"/>
+          </a:xfrm>
+          <a:prstGeom prst="rect">
+            <a:avLst/>
+          </a:prstGeom>
+          <a:noFill/>
+        </p:spPr>
+        <p:txBody>
+          <a:bodyPr wrap="square">
+            <a:noAutofit/>
+          </a:bodyPr>
+          <a:lstStyle/>
+          <a:p/>
+          <a:p>
+            <a:pPr>
+              <a:defRPr sz="1100"/>
+            </a:pPr>
+            <a:r>
+              <a:rPr>
+                <a:solidFill>
+                  <a:srgbClr val="FFFFFF"/>
+                </a:solidFill>
+              </a:rPr>
+              <a:t>Kelompok ini membahas topik-topik yang berkaitan dengan IKN Nusantara dan dampaknya terhadap investasi pasca Pemilu 20Beberapa konten menyebutkan minat investor yang meningkat dan sentimen positif terhadap investasi di IKN. Namun, tidak ada konten yang secara jelas menjelaskan detail atau argumen spesifik mengenai IKN Nusantara.</a:t>
+            </a:r>
+          </a:p>
+        </p:txBody>
+      </p:sp>
     </p:spTree>
     <p:extLst>
       <p:ext uri="{BB962C8B-B14F-4D97-AF65-F5344CB8AC3E}">
